--- a/Presentation.pptx
+++ b/Presentation.pptx
@@ -6,6 +6,9 @@
   </p:sldMasterIdLst>
   <p:sldIdLst>
     <p:sldId id="256" r:id="rId2"/>
+    <p:sldId id="259" r:id="rId3"/>
+    <p:sldId id="257" r:id="rId4"/>
+    <p:sldId id="258" r:id="rId5"/>
   </p:sldIdLst>
   <p:sldSz cx="9144000" cy="6858000" type="screen4x3"/>
   <p:notesSz cx="6858000" cy="9144000"/>
@@ -288,6 +291,7 @@
           <a:p>
             <a:fld id="{AC18CCA6-FE7E-4255-A833-B3AD4951815E}" type="datetimeFigureOut">
               <a:rPr lang="ru-RU" smtClean="0"/>
+              <a:pPr/>
               <a:t>20.04.2013</a:t>
             </a:fld>
             <a:endParaRPr lang="ru-RU"/>
@@ -330,6 +334,7 @@
           <a:p>
             <a:fld id="{09157284-0D79-4DDC-BB53-B6F0840183CC}" type="slidenum">
               <a:rPr lang="ru-RU" smtClean="0"/>
+              <a:pPr/>
               <a:t>‹#›</a:t>
             </a:fld>
             <a:endParaRPr lang="ru-RU"/>
@@ -453,6 +458,7 @@
           <a:p>
             <a:fld id="{AC18CCA6-FE7E-4255-A833-B3AD4951815E}" type="datetimeFigureOut">
               <a:rPr lang="ru-RU" smtClean="0"/>
+              <a:pPr/>
               <a:t>20.04.2013</a:t>
             </a:fld>
             <a:endParaRPr lang="ru-RU"/>
@@ -495,6 +501,7 @@
           <a:p>
             <a:fld id="{09157284-0D79-4DDC-BB53-B6F0840183CC}" type="slidenum">
               <a:rPr lang="ru-RU" smtClean="0"/>
+              <a:pPr/>
               <a:t>‹#›</a:t>
             </a:fld>
             <a:endParaRPr lang="ru-RU"/>
@@ -628,6 +635,7 @@
           <a:p>
             <a:fld id="{AC18CCA6-FE7E-4255-A833-B3AD4951815E}" type="datetimeFigureOut">
               <a:rPr lang="ru-RU" smtClean="0"/>
+              <a:pPr/>
               <a:t>20.04.2013</a:t>
             </a:fld>
             <a:endParaRPr lang="ru-RU"/>
@@ -670,6 +678,7 @@
           <a:p>
             <a:fld id="{09157284-0D79-4DDC-BB53-B6F0840183CC}" type="slidenum">
               <a:rPr lang="ru-RU" smtClean="0"/>
+              <a:pPr/>
               <a:t>‹#›</a:t>
             </a:fld>
             <a:endParaRPr lang="ru-RU"/>
@@ -793,6 +802,7 @@
           <a:p>
             <a:fld id="{AC18CCA6-FE7E-4255-A833-B3AD4951815E}" type="datetimeFigureOut">
               <a:rPr lang="ru-RU" smtClean="0"/>
+              <a:pPr/>
               <a:t>20.04.2013</a:t>
             </a:fld>
             <a:endParaRPr lang="ru-RU"/>
@@ -835,6 +845,7 @@
           <a:p>
             <a:fld id="{09157284-0D79-4DDC-BB53-B6F0840183CC}" type="slidenum">
               <a:rPr lang="ru-RU" smtClean="0"/>
+              <a:pPr/>
               <a:t>‹#›</a:t>
             </a:fld>
             <a:endParaRPr lang="ru-RU"/>
@@ -1034,6 +1045,7 @@
           <a:p>
             <a:fld id="{AC18CCA6-FE7E-4255-A833-B3AD4951815E}" type="datetimeFigureOut">
               <a:rPr lang="ru-RU" smtClean="0"/>
+              <a:pPr/>
               <a:t>20.04.2013</a:t>
             </a:fld>
             <a:endParaRPr lang="ru-RU"/>
@@ -1076,6 +1088,7 @@
           <a:p>
             <a:fld id="{09157284-0D79-4DDC-BB53-B6F0840183CC}" type="slidenum">
               <a:rPr lang="ru-RU" smtClean="0"/>
+              <a:pPr/>
               <a:t>‹#›</a:t>
             </a:fld>
             <a:endParaRPr lang="ru-RU"/>
@@ -1317,6 +1330,7 @@
           <a:p>
             <a:fld id="{AC18CCA6-FE7E-4255-A833-B3AD4951815E}" type="datetimeFigureOut">
               <a:rPr lang="ru-RU" smtClean="0"/>
+              <a:pPr/>
               <a:t>20.04.2013</a:t>
             </a:fld>
             <a:endParaRPr lang="ru-RU"/>
@@ -1359,6 +1373,7 @@
           <a:p>
             <a:fld id="{09157284-0D79-4DDC-BB53-B6F0840183CC}" type="slidenum">
               <a:rPr lang="ru-RU" smtClean="0"/>
+              <a:pPr/>
               <a:t>‹#›</a:t>
             </a:fld>
             <a:endParaRPr lang="ru-RU"/>
@@ -1734,6 +1749,7 @@
           <a:p>
             <a:fld id="{AC18CCA6-FE7E-4255-A833-B3AD4951815E}" type="datetimeFigureOut">
               <a:rPr lang="ru-RU" smtClean="0"/>
+              <a:pPr/>
               <a:t>20.04.2013</a:t>
             </a:fld>
             <a:endParaRPr lang="ru-RU"/>
@@ -1776,6 +1792,7 @@
           <a:p>
             <a:fld id="{09157284-0D79-4DDC-BB53-B6F0840183CC}" type="slidenum">
               <a:rPr lang="ru-RU" smtClean="0"/>
+              <a:pPr/>
               <a:t>‹#›</a:t>
             </a:fld>
             <a:endParaRPr lang="ru-RU"/>
@@ -1847,6 +1864,7 @@
           <a:p>
             <a:fld id="{AC18CCA6-FE7E-4255-A833-B3AD4951815E}" type="datetimeFigureOut">
               <a:rPr lang="ru-RU" smtClean="0"/>
+              <a:pPr/>
               <a:t>20.04.2013</a:t>
             </a:fld>
             <a:endParaRPr lang="ru-RU"/>
@@ -1889,6 +1907,7 @@
           <a:p>
             <a:fld id="{09157284-0D79-4DDC-BB53-B6F0840183CC}" type="slidenum">
               <a:rPr lang="ru-RU" smtClean="0"/>
+              <a:pPr/>
               <a:t>‹#›</a:t>
             </a:fld>
             <a:endParaRPr lang="ru-RU"/>
@@ -1937,6 +1956,7 @@
           <a:p>
             <a:fld id="{AC18CCA6-FE7E-4255-A833-B3AD4951815E}" type="datetimeFigureOut">
               <a:rPr lang="ru-RU" smtClean="0"/>
+              <a:pPr/>
               <a:t>20.04.2013</a:t>
             </a:fld>
             <a:endParaRPr lang="ru-RU"/>
@@ -1979,6 +1999,7 @@
           <a:p>
             <a:fld id="{09157284-0D79-4DDC-BB53-B6F0840183CC}" type="slidenum">
               <a:rPr lang="ru-RU" smtClean="0"/>
+              <a:pPr/>
               <a:t>‹#›</a:t>
             </a:fld>
             <a:endParaRPr lang="ru-RU"/>
@@ -2209,6 +2230,7 @@
           <a:p>
             <a:fld id="{AC18CCA6-FE7E-4255-A833-B3AD4951815E}" type="datetimeFigureOut">
               <a:rPr lang="ru-RU" smtClean="0"/>
+              <a:pPr/>
               <a:t>20.04.2013</a:t>
             </a:fld>
             <a:endParaRPr lang="ru-RU"/>
@@ -2251,6 +2273,7 @@
           <a:p>
             <a:fld id="{09157284-0D79-4DDC-BB53-B6F0840183CC}" type="slidenum">
               <a:rPr lang="ru-RU" smtClean="0"/>
+              <a:pPr/>
               <a:t>‹#›</a:t>
             </a:fld>
             <a:endParaRPr lang="ru-RU"/>
@@ -2457,6 +2480,7 @@
           <a:p>
             <a:fld id="{AC18CCA6-FE7E-4255-A833-B3AD4951815E}" type="datetimeFigureOut">
               <a:rPr lang="ru-RU" smtClean="0"/>
+              <a:pPr/>
               <a:t>20.04.2013</a:t>
             </a:fld>
             <a:endParaRPr lang="ru-RU"/>
@@ -2499,6 +2523,7 @@
           <a:p>
             <a:fld id="{09157284-0D79-4DDC-BB53-B6F0840183CC}" type="slidenum">
               <a:rPr lang="ru-RU" smtClean="0"/>
+              <a:pPr/>
               <a:t>‹#›</a:t>
             </a:fld>
             <a:endParaRPr lang="ru-RU"/>
@@ -2665,6 +2690,7 @@
           <a:p>
             <a:fld id="{AC18CCA6-FE7E-4255-A833-B3AD4951815E}" type="datetimeFigureOut">
               <a:rPr lang="ru-RU" smtClean="0"/>
+              <a:pPr/>
               <a:t>20.04.2013</a:t>
             </a:fld>
             <a:endParaRPr lang="ru-RU"/>
@@ -2743,6 +2769,7 @@
           <a:p>
             <a:fld id="{09157284-0D79-4DDC-BB53-B6F0840183CC}" type="slidenum">
               <a:rPr lang="ru-RU" smtClean="0"/>
+              <a:pPr/>
               <a:t>‹#›</a:t>
             </a:fld>
             <a:endParaRPr lang="ru-RU"/>
@@ -3104,6 +3131,713 @@
 </p:sld>
 </file>
 
+<file path=ppt/slides/slide2.xml><?xml version="1.0" encoding="utf-8"?>
+<p:sld xmlns:a="http://schemas.openxmlformats.org/drawingml/2006/main" xmlns:r="http://schemas.openxmlformats.org/officeDocument/2006/relationships" xmlns:p="http://schemas.openxmlformats.org/presentationml/2006/main">
+  <p:cSld>
+    <p:spTree>
+      <p:nvGrpSpPr>
+        <p:cNvPr id="1" name=""/>
+        <p:cNvGrpSpPr/>
+        <p:nvPr/>
+      </p:nvGrpSpPr>
+      <p:grpSpPr>
+        <a:xfrm>
+          <a:off x="0" y="0"/>
+          <a:ext cx="0" cy="0"/>
+          <a:chOff x="0" y="0"/>
+          <a:chExt cx="0" cy="0"/>
+        </a:xfrm>
+      </p:grpSpPr>
+      <p:sp>
+        <p:nvSpPr>
+          <p:cNvPr id="2" name="Title 1"/>
+          <p:cNvSpPr>
+            <a:spLocks noGrp="1"/>
+          </p:cNvSpPr>
+          <p:nvPr>
+            <p:ph type="title"/>
+          </p:nvPr>
+        </p:nvSpPr>
+        <p:spPr/>
+        <p:txBody>
+          <a:bodyPr/>
+          <a:lstStyle/>
+          <a:p>
+            <a:r>
+              <a:rPr lang="en-US" dirty="0" smtClean="0"/>
+              <a:t>First Round of Investment</a:t>
+            </a:r>
+            <a:endParaRPr lang="ru-RU" dirty="0"/>
+          </a:p>
+        </p:txBody>
+      </p:sp>
+      <p:sp>
+        <p:nvSpPr>
+          <p:cNvPr id="3" name="Content Placeholder 2"/>
+          <p:cNvSpPr>
+            <a:spLocks noGrp="1"/>
+          </p:cNvSpPr>
+          <p:nvPr>
+            <p:ph idx="1"/>
+          </p:nvPr>
+        </p:nvSpPr>
+        <p:spPr/>
+        <p:txBody>
+          <a:bodyPr/>
+          <a:lstStyle/>
+          <a:p>
+            <a:r>
+              <a:rPr lang="en-US" dirty="0" smtClean="0"/>
+              <a:t>USD 1</a:t>
+            </a:r>
+          </a:p>
+          <a:p>
+            <a:endParaRPr lang="ru-RU" dirty="0"/>
+          </a:p>
+        </p:txBody>
+      </p:sp>
+      <p:sp>
+        <p:nvSpPr>
+          <p:cNvPr id="2050" name="AutoShape 2" descr="https://mail-attachment.googleusercontent.com/attachment/u/0/?ui=2&amp;ik=9e8f83bd8e&amp;view=att&amp;th=13e28297fb6ce1e5&amp;attid=0.1&amp;disp=inline&amp;realattid=1432851208314290176-local0&amp;safe=1&amp;zw&amp;saduie=AG9B_P-7j94w0V3eper9802ZHAxK&amp;sadet=1366473595401&amp;sads=HsiRQEu7GezJ3pU-VYdiQ-pmNpc&amp;sadssc=1"/>
+          <p:cNvSpPr>
+            <a:spLocks noChangeAspect="1" noChangeArrowheads="1"/>
+          </p:cNvSpPr>
+          <p:nvPr/>
+        </p:nvSpPr>
+        <p:spPr bwMode="auto">
+          <a:xfrm>
+            <a:off x="155575" y="-144463"/>
+            <a:ext cx="304800" cy="304801"/>
+          </a:xfrm>
+          <a:prstGeom prst="rect">
+            <a:avLst/>
+          </a:prstGeom>
+          <a:noFill/>
+        </p:spPr>
+        <p:txBody>
+          <a:bodyPr vert="horz" wrap="square" lIns="91440" tIns="45720" rIns="91440" bIns="45720" numCol="1" anchor="t" anchorCtr="0" compatLnSpc="1">
+            <a:prstTxWarp prst="textNoShape">
+              <a:avLst/>
+            </a:prstTxWarp>
+          </a:bodyPr>
+          <a:lstStyle/>
+          <a:p>
+            <a:endParaRPr lang="ru-RU"/>
+          </a:p>
+        </p:txBody>
+      </p:sp>
+      <p:sp>
+        <p:nvSpPr>
+          <p:cNvPr id="2052" name="AutoShape 4" descr="https://mail-attachment.googleusercontent.com/attachment/u/0/?ui=2&amp;ik=9e8f83bd8e&amp;view=att&amp;th=13e28297fb6ce1e5&amp;attid=0.1&amp;disp=inline&amp;realattid=1432851208314290176-local0&amp;safe=1&amp;zw&amp;saduie=AG9B_P-7j94w0V3eper9802ZHAxK&amp;sadet=1366473595401&amp;sads=HsiRQEu7GezJ3pU-VYdiQ-pmNpc&amp;sadssc=1"/>
+          <p:cNvSpPr>
+            <a:spLocks noChangeAspect="1" noChangeArrowheads="1"/>
+          </p:cNvSpPr>
+          <p:nvPr/>
+        </p:nvSpPr>
+        <p:spPr bwMode="auto">
+          <a:xfrm>
+            <a:off x="155575" y="-144463"/>
+            <a:ext cx="304800" cy="304801"/>
+          </a:xfrm>
+          <a:prstGeom prst="rect">
+            <a:avLst/>
+          </a:prstGeom>
+          <a:noFill/>
+        </p:spPr>
+        <p:txBody>
+          <a:bodyPr vert="horz" wrap="square" lIns="91440" tIns="45720" rIns="91440" bIns="45720" numCol="1" anchor="t" anchorCtr="0" compatLnSpc="1">
+            <a:prstTxWarp prst="textNoShape">
+              <a:avLst/>
+            </a:prstTxWarp>
+          </a:bodyPr>
+          <a:lstStyle/>
+          <a:p>
+            <a:endParaRPr lang="ru-RU"/>
+          </a:p>
+        </p:txBody>
+      </p:sp>
+      <p:sp>
+        <p:nvSpPr>
+          <p:cNvPr id="2054" name="AutoShape 6" descr="https://mail-attachment.googleusercontent.com/attachment/u/0/?ui=2&amp;ik=9e8f83bd8e&amp;view=att&amp;th=13e28297fb6ce1e5&amp;attid=0.1&amp;disp=inline&amp;realattid=1432851208314290176-local0&amp;safe=1&amp;zw&amp;saduie=AG9B_P-7j94w0V3eper9802ZHAxK&amp;sadet=1366473595401&amp;sads=HsiRQEu7GezJ3pU-VYdiQ-pmNpc&amp;sadssc=1"/>
+          <p:cNvSpPr>
+            <a:spLocks noChangeAspect="1" noChangeArrowheads="1"/>
+          </p:cNvSpPr>
+          <p:nvPr/>
+        </p:nvSpPr>
+        <p:spPr bwMode="auto">
+          <a:xfrm>
+            <a:off x="155575" y="-144463"/>
+            <a:ext cx="304800" cy="304801"/>
+          </a:xfrm>
+          <a:prstGeom prst="rect">
+            <a:avLst/>
+          </a:prstGeom>
+          <a:noFill/>
+        </p:spPr>
+        <p:txBody>
+          <a:bodyPr vert="horz" wrap="square" lIns="91440" tIns="45720" rIns="91440" bIns="45720" numCol="1" anchor="t" anchorCtr="0" compatLnSpc="1">
+            <a:prstTxWarp prst="textNoShape">
+              <a:avLst/>
+            </a:prstTxWarp>
+          </a:bodyPr>
+          <a:lstStyle/>
+          <a:p>
+            <a:endParaRPr lang="ru-RU"/>
+          </a:p>
+        </p:txBody>
+      </p:sp>
+      <p:sp>
+        <p:nvSpPr>
+          <p:cNvPr id="2056" name="AutoShape 8" descr="https://mail-attachment.googleusercontent.com/attachment/u/0/?ui=2&amp;ik=9e8f83bd8e&amp;view=att&amp;th=13e28297fb6ce1e5&amp;attid=0.1&amp;disp=inline&amp;realattid=1432851208314290176-local0&amp;safe=1&amp;zw&amp;saduie=AG9B_P-7j94w0V3eper9802ZHAxK&amp;sadet=1366473595401&amp;sads=HsiRQEu7GezJ3pU-VYdiQ-pmNpc&amp;sadssc=1"/>
+          <p:cNvSpPr>
+            <a:spLocks noChangeAspect="1" noChangeArrowheads="1"/>
+          </p:cNvSpPr>
+          <p:nvPr/>
+        </p:nvSpPr>
+        <p:spPr bwMode="auto">
+          <a:xfrm>
+            <a:off x="155575" y="-144463"/>
+            <a:ext cx="304800" cy="304801"/>
+          </a:xfrm>
+          <a:prstGeom prst="rect">
+            <a:avLst/>
+          </a:prstGeom>
+          <a:noFill/>
+        </p:spPr>
+        <p:txBody>
+          <a:bodyPr vert="horz" wrap="square" lIns="91440" tIns="45720" rIns="91440" bIns="45720" numCol="1" anchor="t" anchorCtr="0" compatLnSpc="1">
+            <a:prstTxWarp prst="textNoShape">
+              <a:avLst/>
+            </a:prstTxWarp>
+          </a:bodyPr>
+          <a:lstStyle/>
+          <a:p>
+            <a:endParaRPr lang="ru-RU"/>
+          </a:p>
+        </p:txBody>
+      </p:sp>
+      <p:sp>
+        <p:nvSpPr>
+          <p:cNvPr id="2058" name="AutoShape 10" descr="https://mail-attachment.googleusercontent.com/attachment/u/0/?ui=2&amp;ik=9e8f83bd8e&amp;view=att&amp;th=13e28297fb6ce1e5&amp;attid=0.1&amp;disp=inline&amp;realattid=1432851208314290176-local0&amp;safe=1&amp;zw&amp;saduie=AG9B_P-7j94w0V3eper9802ZHAxK&amp;sadet=1366473595401&amp;sads=HsiRQEu7GezJ3pU-VYdiQ-pmNpc&amp;sadssc=1"/>
+          <p:cNvSpPr>
+            <a:spLocks noChangeAspect="1" noChangeArrowheads="1"/>
+          </p:cNvSpPr>
+          <p:nvPr/>
+        </p:nvSpPr>
+        <p:spPr bwMode="auto">
+          <a:xfrm>
+            <a:off x="155575" y="-144463"/>
+            <a:ext cx="304800" cy="304801"/>
+          </a:xfrm>
+          <a:prstGeom prst="rect">
+            <a:avLst/>
+          </a:prstGeom>
+          <a:noFill/>
+        </p:spPr>
+        <p:txBody>
+          <a:bodyPr vert="horz" wrap="square" lIns="91440" tIns="45720" rIns="91440" bIns="45720" numCol="1" anchor="t" anchorCtr="0" compatLnSpc="1">
+            <a:prstTxWarp prst="textNoShape">
+              <a:avLst/>
+            </a:prstTxWarp>
+          </a:bodyPr>
+          <a:lstStyle/>
+          <a:p>
+            <a:endParaRPr lang="ru-RU"/>
+          </a:p>
+        </p:txBody>
+      </p:sp>
+      <p:pic>
+        <p:nvPicPr>
+          <p:cNvPr id="10" name="Picture 9" descr="Screenshot_2013-04-20-18-55-32.png"/>
+          <p:cNvPicPr>
+            <a:picLocks noChangeAspect="1"/>
+          </p:cNvPicPr>
+          <p:nvPr/>
+        </p:nvPicPr>
+        <p:blipFill>
+          <a:blip r:embed="rId2" cstate="print"/>
+          <a:srcRect t="64700"/>
+          <a:stretch>
+            <a:fillRect/>
+          </a:stretch>
+        </p:blipFill>
+        <p:spPr>
+          <a:xfrm>
+            <a:off x="2411760" y="2420888"/>
+            <a:ext cx="3857625" cy="2420888"/>
+          </a:xfrm>
+          <a:prstGeom prst="rect">
+            <a:avLst/>
+          </a:prstGeom>
+        </p:spPr>
+      </p:pic>
+    </p:spTree>
+  </p:cSld>
+  <p:clrMapOvr>
+    <a:masterClrMapping/>
+  </p:clrMapOvr>
+</p:sld>
+</file>
+
+<file path=ppt/slides/slide3.xml><?xml version="1.0" encoding="utf-8"?>
+<p:sld xmlns:a="http://schemas.openxmlformats.org/drawingml/2006/main" xmlns:r="http://schemas.openxmlformats.org/officeDocument/2006/relationships" xmlns:p="http://schemas.openxmlformats.org/presentationml/2006/main">
+  <p:cSld>
+    <p:spTree>
+      <p:nvGrpSpPr>
+        <p:cNvPr id="1" name=""/>
+        <p:cNvGrpSpPr/>
+        <p:nvPr/>
+      </p:nvGrpSpPr>
+      <p:grpSpPr>
+        <a:xfrm>
+          <a:off x="0" y="0"/>
+          <a:ext cx="0" cy="0"/>
+          <a:chOff x="0" y="0"/>
+          <a:chExt cx="0" cy="0"/>
+        </a:xfrm>
+      </p:grpSpPr>
+      <p:sp>
+        <p:nvSpPr>
+          <p:cNvPr id="2" name="Title 1"/>
+          <p:cNvSpPr>
+            <a:spLocks noGrp="1"/>
+          </p:cNvSpPr>
+          <p:nvPr>
+            <p:ph type="title"/>
+          </p:nvPr>
+        </p:nvSpPr>
+        <p:spPr/>
+        <p:txBody>
+          <a:bodyPr/>
+          <a:lstStyle/>
+          <a:p>
+            <a:r>
+              <a:rPr lang="en-US" dirty="0" smtClean="0"/>
+              <a:t>Azure Deployment</a:t>
+            </a:r>
+            <a:endParaRPr lang="ru-RU" dirty="0"/>
+          </a:p>
+        </p:txBody>
+      </p:sp>
+      <p:pic>
+        <p:nvPicPr>
+          <p:cNvPr id="1026" name="Picture 2"/>
+          <p:cNvPicPr>
+            <a:picLocks noGrp="1" noChangeAspect="1" noChangeArrowheads="1"/>
+          </p:cNvPicPr>
+          <p:nvPr>
+            <p:ph idx="1"/>
+          </p:nvPr>
+        </p:nvPicPr>
+        <p:blipFill>
+          <a:blip r:embed="rId2" cstate="print"/>
+          <a:srcRect/>
+          <a:stretch>
+            <a:fillRect/>
+          </a:stretch>
+        </p:blipFill>
+        <p:spPr bwMode="auto">
+          <a:xfrm>
+            <a:off x="457200" y="1767915"/>
+            <a:ext cx="8229600" cy="4190533"/>
+          </a:xfrm>
+          <a:prstGeom prst="rect">
+            <a:avLst/>
+          </a:prstGeom>
+          <a:noFill/>
+          <a:ln w="9525">
+            <a:noFill/>
+            <a:miter lim="800000"/>
+            <a:headEnd/>
+            <a:tailEnd/>
+          </a:ln>
+        </p:spPr>
+      </p:pic>
+      <p:pic>
+        <p:nvPicPr>
+          <p:cNvPr id="1027" name="Picture 3"/>
+          <p:cNvPicPr>
+            <a:picLocks noChangeAspect="1" noChangeArrowheads="1"/>
+          </p:cNvPicPr>
+          <p:nvPr/>
+        </p:nvPicPr>
+        <p:blipFill>
+          <a:blip r:embed="rId3" cstate="print"/>
+          <a:srcRect/>
+          <a:stretch>
+            <a:fillRect/>
+          </a:stretch>
+        </p:blipFill>
+        <p:spPr bwMode="auto">
+          <a:xfrm>
+            <a:off x="323528" y="1556792"/>
+            <a:ext cx="6010275" cy="523875"/>
+          </a:xfrm>
+          <a:prstGeom prst="rect">
+            <a:avLst/>
+          </a:prstGeom>
+          <a:noFill/>
+          <a:ln w="9525">
+            <a:noFill/>
+            <a:miter lim="800000"/>
+            <a:headEnd/>
+            <a:tailEnd/>
+          </a:ln>
+        </p:spPr>
+      </p:pic>
+    </p:spTree>
+  </p:cSld>
+  <p:clrMapOvr>
+    <a:masterClrMapping/>
+  </p:clrMapOvr>
+</p:sld>
+</file>
+
+<file path=ppt/slides/slide4.xml><?xml version="1.0" encoding="utf-8"?>
+<p:sld xmlns:a="http://schemas.openxmlformats.org/drawingml/2006/main" xmlns:r="http://schemas.openxmlformats.org/officeDocument/2006/relationships" xmlns:p="http://schemas.openxmlformats.org/presentationml/2006/main">
+  <p:cSld>
+    <p:spTree>
+      <p:nvGrpSpPr>
+        <p:cNvPr id="1" name=""/>
+        <p:cNvGrpSpPr/>
+        <p:nvPr/>
+      </p:nvGrpSpPr>
+      <p:grpSpPr>
+        <a:xfrm>
+          <a:off x="0" y="0"/>
+          <a:ext cx="0" cy="0"/>
+          <a:chOff x="0" y="0"/>
+          <a:chExt cx="0" cy="0"/>
+        </a:xfrm>
+      </p:grpSpPr>
+      <p:sp>
+        <p:nvSpPr>
+          <p:cNvPr id="2" name="Title 1"/>
+          <p:cNvSpPr>
+            <a:spLocks noGrp="1"/>
+          </p:cNvSpPr>
+          <p:nvPr>
+            <p:ph type="title"/>
+          </p:nvPr>
+        </p:nvSpPr>
+        <p:spPr/>
+        <p:txBody>
+          <a:bodyPr/>
+          <a:lstStyle/>
+          <a:p>
+            <a:r>
+              <a:rPr lang="en-US" dirty="0" smtClean="0"/>
+              <a:t>Done</a:t>
+            </a:r>
+            <a:endParaRPr lang="ru-RU" dirty="0"/>
+          </a:p>
+        </p:txBody>
+      </p:sp>
+      <p:sp>
+        <p:nvSpPr>
+          <p:cNvPr id="3" name="Content Placeholder 2"/>
+          <p:cNvSpPr>
+            <a:spLocks noGrp="1"/>
+          </p:cNvSpPr>
+          <p:nvPr>
+            <p:ph idx="1"/>
+          </p:nvPr>
+        </p:nvSpPr>
+        <p:spPr>
+          <a:xfrm>
+            <a:off x="457200" y="1600200"/>
+            <a:ext cx="4690864" cy="4525963"/>
+          </a:xfrm>
+        </p:spPr>
+        <p:txBody>
+          <a:bodyPr numCol="1"/>
+          <a:lstStyle/>
+          <a:p>
+            <a:r>
+              <a:rPr lang="en-US" dirty="0" smtClean="0"/>
+              <a:t>Client:</a:t>
+            </a:r>
+          </a:p>
+          <a:p>
+            <a:pPr lvl="1"/>
+            <a:r>
+              <a:rPr lang="en-US" dirty="0" smtClean="0"/>
+              <a:t>Initialization</a:t>
+            </a:r>
+          </a:p>
+          <a:p>
+            <a:pPr lvl="1"/>
+            <a:r>
+              <a:rPr lang="en-US" dirty="0" smtClean="0"/>
+              <a:t>Running UI &amp; Controls</a:t>
+            </a:r>
+          </a:p>
+          <a:p>
+            <a:pPr lvl="1"/>
+            <a:endParaRPr lang="en-US" dirty="0" smtClean="0"/>
+          </a:p>
+          <a:p>
+            <a:pPr lvl="1"/>
+            <a:endParaRPr lang="ru-RU" dirty="0"/>
+          </a:p>
+        </p:txBody>
+      </p:sp>
+      <p:sp>
+        <p:nvSpPr>
+          <p:cNvPr id="4" name="Content Placeholder 2"/>
+          <p:cNvSpPr txBox="1">
+            <a:spLocks/>
+          </p:cNvSpPr>
+          <p:nvPr/>
+        </p:nvSpPr>
+        <p:spPr>
+          <a:xfrm>
+            <a:off x="4932040" y="1772816"/>
+            <a:ext cx="4690864" cy="4525963"/>
+          </a:xfrm>
+          <a:prstGeom prst="rect">
+            <a:avLst/>
+          </a:prstGeom>
+        </p:spPr>
+        <p:txBody>
+          <a:bodyPr vert="horz" lIns="91440" tIns="45720" rIns="91440" bIns="45720" numCol="1" rtlCol="0">
+            <a:normAutofit/>
+          </a:bodyPr>
+          <a:lstStyle/>
+          <a:p>
+            <a:pPr marL="342900" marR="0" lvl="0" indent="-342900" algn="l" defTabSz="914400" rtl="0" eaLnBrk="1" fontAlgn="auto" latinLnBrk="0" hangingPunct="1">
+              <a:lnSpc>
+                <a:spcPct val="100000"/>
+              </a:lnSpc>
+              <a:spcBef>
+                <a:spcPct val="20000"/>
+              </a:spcBef>
+              <a:spcAft>
+                <a:spcPts val="0"/>
+              </a:spcAft>
+              <a:buClrTx/>
+              <a:buSzTx/>
+              <a:buFont typeface="Arial" pitchFamily="34" charset="0"/>
+              <a:buChar char="•"/>
+              <a:tabLst/>
+              <a:defRPr/>
+            </a:pPr>
+            <a:r>
+              <a:rPr kumimoji="0" lang="en-US" sz="3200" b="0" i="0" u="none" strike="noStrike" kern="1200" cap="none" spc="0" normalizeH="0" baseline="0" noProof="0" dirty="0" smtClean="0">
+                <a:ln>
+                  <a:noFill/>
+                </a:ln>
+                <a:solidFill>
+                  <a:schemeClr val="tx1"/>
+                </a:solidFill>
+                <a:effectLst/>
+                <a:uLnTx/>
+                <a:uFillTx/>
+                <a:latin typeface="+mn-lt"/>
+                <a:ea typeface="+mn-ea"/>
+                <a:cs typeface="+mn-cs"/>
+              </a:rPr>
+              <a:t>Back End:</a:t>
+            </a:r>
+          </a:p>
+          <a:p>
+            <a:pPr marL="742950" marR="0" lvl="1" indent="-285750" algn="l" defTabSz="914400" rtl="0" eaLnBrk="1" fontAlgn="auto" latinLnBrk="0" hangingPunct="1">
+              <a:lnSpc>
+                <a:spcPct val="100000"/>
+              </a:lnSpc>
+              <a:spcBef>
+                <a:spcPct val="20000"/>
+              </a:spcBef>
+              <a:spcAft>
+                <a:spcPts val="0"/>
+              </a:spcAft>
+              <a:buClrTx/>
+              <a:buSzTx/>
+              <a:buFont typeface="Arial" pitchFamily="34" charset="0"/>
+              <a:buChar char="–"/>
+              <a:tabLst/>
+              <a:defRPr/>
+            </a:pPr>
+            <a:r>
+              <a:rPr kumimoji="0" lang="en-US" sz="2800" b="0" i="0" u="none" strike="noStrike" kern="1200" cap="none" spc="0" normalizeH="0" baseline="0" noProof="0" dirty="0" smtClean="0">
+                <a:ln>
+                  <a:noFill/>
+                </a:ln>
+                <a:solidFill>
+                  <a:schemeClr val="tx1"/>
+                </a:solidFill>
+                <a:effectLst/>
+                <a:uLnTx/>
+                <a:uFillTx/>
+                <a:latin typeface="+mn-lt"/>
+                <a:ea typeface="+mn-ea"/>
+                <a:cs typeface="+mn-cs"/>
+              </a:rPr>
+              <a:t>Deploy to Azure</a:t>
+            </a:r>
+          </a:p>
+          <a:p>
+            <a:pPr marL="742950" marR="0" lvl="1" indent="-285750" algn="l" defTabSz="914400" rtl="0" eaLnBrk="1" fontAlgn="auto" latinLnBrk="0" hangingPunct="1">
+              <a:lnSpc>
+                <a:spcPct val="100000"/>
+              </a:lnSpc>
+              <a:spcBef>
+                <a:spcPct val="20000"/>
+              </a:spcBef>
+              <a:spcAft>
+                <a:spcPts val="0"/>
+              </a:spcAft>
+              <a:buClrTx/>
+              <a:buSzTx/>
+              <a:buFont typeface="Arial" pitchFamily="34" charset="0"/>
+              <a:buChar char="–"/>
+              <a:tabLst/>
+              <a:defRPr/>
+            </a:pPr>
+            <a:r>
+              <a:rPr kumimoji="0" lang="en-US" sz="2800" b="0" i="0" u="none" strike="noStrike" kern="1200" cap="none" spc="0" normalizeH="0" baseline="0" noProof="0" dirty="0" smtClean="0">
+                <a:ln>
+                  <a:noFill/>
+                </a:ln>
+                <a:solidFill>
+                  <a:schemeClr val="tx1"/>
+                </a:solidFill>
+                <a:effectLst/>
+                <a:uLnTx/>
+                <a:uFillTx/>
+                <a:latin typeface="+mn-lt"/>
+                <a:ea typeface="+mn-ea"/>
+                <a:cs typeface="+mn-cs"/>
+              </a:rPr>
+              <a:t>Initialization</a:t>
+            </a:r>
+          </a:p>
+          <a:p>
+            <a:pPr marL="742950" marR="0" lvl="1" indent="-285750" algn="l" defTabSz="914400" rtl="0" eaLnBrk="1" fontAlgn="auto" latinLnBrk="0" hangingPunct="1">
+              <a:lnSpc>
+                <a:spcPct val="100000"/>
+              </a:lnSpc>
+              <a:spcBef>
+                <a:spcPct val="20000"/>
+              </a:spcBef>
+              <a:spcAft>
+                <a:spcPts val="0"/>
+              </a:spcAft>
+              <a:buClrTx/>
+              <a:buSzTx/>
+              <a:buFont typeface="Arial" pitchFamily="34" charset="0"/>
+              <a:buChar char="–"/>
+              <a:tabLst/>
+              <a:defRPr/>
+            </a:pPr>
+            <a:r>
+              <a:rPr lang="en-US" sz="2800" dirty="0" smtClean="0"/>
+              <a:t>Search partners</a:t>
+            </a:r>
+          </a:p>
+          <a:p>
+            <a:pPr marL="742950" marR="0" lvl="1" indent="-285750" algn="l" defTabSz="914400" rtl="0" eaLnBrk="1" fontAlgn="auto" latinLnBrk="0" hangingPunct="1">
+              <a:lnSpc>
+                <a:spcPct val="100000"/>
+              </a:lnSpc>
+              <a:spcBef>
+                <a:spcPct val="20000"/>
+              </a:spcBef>
+              <a:spcAft>
+                <a:spcPts val="0"/>
+              </a:spcAft>
+              <a:buClrTx/>
+              <a:buSzTx/>
+              <a:buFont typeface="Arial" pitchFamily="34" charset="0"/>
+              <a:buChar char="–"/>
+              <a:tabLst/>
+              <a:defRPr/>
+            </a:pPr>
+            <a:r>
+              <a:rPr kumimoji="0" lang="en-US" sz="2800" b="0" i="0" u="none" strike="noStrike" kern="1200" cap="none" spc="0" normalizeH="0" baseline="0" noProof="0" dirty="0" smtClean="0">
+                <a:ln>
+                  <a:noFill/>
+                </a:ln>
+                <a:solidFill>
+                  <a:schemeClr val="tx1"/>
+                </a:solidFill>
+                <a:effectLst/>
+                <a:uLnTx/>
+                <a:uFillTx/>
+                <a:latin typeface="+mn-lt"/>
+                <a:ea typeface="+mn-ea"/>
+                <a:cs typeface="+mn-cs"/>
+              </a:rPr>
+              <a:t>Start Game</a:t>
+            </a:r>
+          </a:p>
+          <a:p>
+            <a:pPr marL="742950" marR="0" lvl="1" indent="-285750" algn="l" defTabSz="914400" rtl="0" eaLnBrk="1" fontAlgn="auto" latinLnBrk="0" hangingPunct="1">
+              <a:lnSpc>
+                <a:spcPct val="100000"/>
+              </a:lnSpc>
+              <a:spcBef>
+                <a:spcPct val="20000"/>
+              </a:spcBef>
+              <a:spcAft>
+                <a:spcPts val="0"/>
+              </a:spcAft>
+              <a:buClrTx/>
+              <a:buSzTx/>
+              <a:buFont typeface="Arial" pitchFamily="34" charset="0"/>
+              <a:buChar char="–"/>
+              <a:tabLst/>
+              <a:defRPr/>
+            </a:pPr>
+            <a:endParaRPr kumimoji="0" lang="ru-RU" sz="2800" b="0" i="0" u="none" strike="noStrike" kern="1200" cap="none" spc="0" normalizeH="0" baseline="0" noProof="0" dirty="0">
+              <a:ln>
+                <a:noFill/>
+              </a:ln>
+              <a:solidFill>
+                <a:schemeClr val="tx1"/>
+              </a:solidFill>
+              <a:effectLst/>
+              <a:uLnTx/>
+              <a:uFillTx/>
+              <a:latin typeface="+mn-lt"/>
+              <a:ea typeface="+mn-ea"/>
+              <a:cs typeface="+mn-cs"/>
+            </a:endParaRPr>
+          </a:p>
+        </p:txBody>
+      </p:sp>
+      <p:pic>
+        <p:nvPicPr>
+          <p:cNvPr id="6" name="Picture 5" descr="Screenshot (11).png"/>
+          <p:cNvPicPr>
+            <a:picLocks noChangeAspect="1"/>
+          </p:cNvPicPr>
+          <p:nvPr/>
+        </p:nvPicPr>
+        <p:blipFill>
+          <a:blip r:embed="rId2" cstate="print"/>
+          <a:stretch>
+            <a:fillRect/>
+          </a:stretch>
+        </p:blipFill>
+        <p:spPr>
+          <a:xfrm>
+            <a:off x="107504" y="3861048"/>
+            <a:ext cx="5292080" cy="2976795"/>
+          </a:xfrm>
+          <a:prstGeom prst="rect">
+            <a:avLst/>
+          </a:prstGeom>
+        </p:spPr>
+      </p:pic>
+    </p:spTree>
+  </p:cSld>
+  <p:clrMapOvr>
+    <a:masterClrMapping/>
+  </p:clrMapOvr>
+</p:sld>
+</file>
+
 <file path=ppt/theme/theme1.xml><?xml version="1.0" encoding="utf-8"?>
 <a:theme xmlns:a="http://schemas.openxmlformats.org/drawingml/2006/main" name="Office Theme">
   <a:themeElements>

--- a/Presentation.pptx
+++ b/Presentation.pptx
@@ -6,9 +6,12 @@
   </p:sldMasterIdLst>
   <p:sldIdLst>
     <p:sldId id="256" r:id="rId2"/>
-    <p:sldId id="259" r:id="rId3"/>
-    <p:sldId id="257" r:id="rId4"/>
-    <p:sldId id="258" r:id="rId5"/>
+    <p:sldId id="260" r:id="rId3"/>
+    <p:sldId id="261" r:id="rId4"/>
+    <p:sldId id="262" r:id="rId5"/>
+    <p:sldId id="259" r:id="rId6"/>
+    <p:sldId id="257" r:id="rId7"/>
+    <p:sldId id="258" r:id="rId8"/>
   </p:sldIdLst>
   <p:sldSz cx="9144000" cy="6858000" type="screen4x3"/>
   <p:notesSz cx="6858000" cy="9144000"/>
@@ -3165,6 +3168,292 @@
           <a:p>
             <a:r>
               <a:rPr lang="en-US" dirty="0" smtClean="0"/>
+              <a:t>13:00</a:t>
+            </a:r>
+            <a:endParaRPr lang="ru-RU" dirty="0"/>
+          </a:p>
+        </p:txBody>
+      </p:sp>
+      <p:sp>
+        <p:nvSpPr>
+          <p:cNvPr id="3" name="Content Placeholder 2"/>
+          <p:cNvSpPr>
+            <a:spLocks noGrp="1"/>
+          </p:cNvSpPr>
+          <p:nvPr>
+            <p:ph idx="1"/>
+          </p:nvPr>
+        </p:nvSpPr>
+        <p:spPr/>
+        <p:txBody>
+          <a:bodyPr/>
+          <a:lstStyle/>
+          <a:p>
+            <a:endParaRPr lang="ru-RU"/>
+          </a:p>
+        </p:txBody>
+      </p:sp>
+    </p:spTree>
+  </p:cSld>
+  <p:clrMapOvr>
+    <a:masterClrMapping/>
+  </p:clrMapOvr>
+</p:sld>
+</file>
+
+<file path=ppt/slides/slide3.xml><?xml version="1.0" encoding="utf-8"?>
+<p:sld xmlns:a="http://schemas.openxmlformats.org/drawingml/2006/main" xmlns:r="http://schemas.openxmlformats.org/officeDocument/2006/relationships" xmlns:p="http://schemas.openxmlformats.org/presentationml/2006/main">
+  <p:cSld>
+    <p:spTree>
+      <p:nvGrpSpPr>
+        <p:cNvPr id="1" name=""/>
+        <p:cNvGrpSpPr/>
+        <p:nvPr/>
+      </p:nvGrpSpPr>
+      <p:grpSpPr>
+        <a:xfrm>
+          <a:off x="0" y="0"/>
+          <a:ext cx="0" cy="0"/>
+          <a:chOff x="0" y="0"/>
+          <a:chExt cx="0" cy="0"/>
+        </a:xfrm>
+      </p:grpSpPr>
+      <p:sp>
+        <p:nvSpPr>
+          <p:cNvPr id="2" name="Title 1"/>
+          <p:cNvSpPr>
+            <a:spLocks noGrp="1"/>
+          </p:cNvSpPr>
+          <p:nvPr>
+            <p:ph type="title"/>
+          </p:nvPr>
+        </p:nvSpPr>
+        <p:spPr/>
+        <p:txBody>
+          <a:bodyPr/>
+          <a:lstStyle/>
+          <a:p>
+            <a:r>
+              <a:rPr lang="en-US" dirty="0" smtClean="0"/>
+              <a:t>22:00</a:t>
+            </a:r>
+            <a:endParaRPr lang="ru-RU" dirty="0"/>
+          </a:p>
+        </p:txBody>
+      </p:sp>
+      <p:sp>
+        <p:nvSpPr>
+          <p:cNvPr id="3" name="Content Placeholder 2"/>
+          <p:cNvSpPr>
+            <a:spLocks noGrp="1"/>
+          </p:cNvSpPr>
+          <p:nvPr>
+            <p:ph idx="1"/>
+          </p:nvPr>
+        </p:nvSpPr>
+        <p:spPr/>
+        <p:txBody>
+          <a:bodyPr/>
+          <a:lstStyle/>
+          <a:p>
+            <a:endParaRPr lang="ru-RU" dirty="0"/>
+          </a:p>
+        </p:txBody>
+      </p:sp>
+    </p:spTree>
+  </p:cSld>
+  <p:clrMapOvr>
+    <a:masterClrMapping/>
+  </p:clrMapOvr>
+</p:sld>
+</file>
+
+<file path=ppt/slides/slide4.xml><?xml version="1.0" encoding="utf-8"?>
+<p:sld xmlns:a="http://schemas.openxmlformats.org/drawingml/2006/main" xmlns:r="http://schemas.openxmlformats.org/officeDocument/2006/relationships" xmlns:p="http://schemas.openxmlformats.org/presentationml/2006/main">
+  <p:cSld>
+    <p:spTree>
+      <p:nvGrpSpPr>
+        <p:cNvPr id="1" name=""/>
+        <p:cNvGrpSpPr/>
+        <p:nvPr/>
+      </p:nvGrpSpPr>
+      <p:grpSpPr>
+        <a:xfrm>
+          <a:off x="0" y="0"/>
+          <a:ext cx="0" cy="0"/>
+          <a:chOff x="0" y="0"/>
+          <a:chExt cx="0" cy="0"/>
+        </a:xfrm>
+      </p:grpSpPr>
+      <p:sp>
+        <p:nvSpPr>
+          <p:cNvPr id="2" name="Title 1"/>
+          <p:cNvSpPr>
+            <a:spLocks noGrp="1"/>
+          </p:cNvSpPr>
+          <p:nvPr>
+            <p:ph type="title"/>
+          </p:nvPr>
+        </p:nvSpPr>
+        <p:spPr/>
+        <p:txBody>
+          <a:bodyPr/>
+          <a:lstStyle/>
+          <a:p>
+            <a:r>
+              <a:rPr lang="en-US" dirty="0" smtClean="0"/>
+              <a:t>Thank You!</a:t>
+            </a:r>
+            <a:endParaRPr lang="ru-RU" dirty="0"/>
+          </a:p>
+        </p:txBody>
+      </p:sp>
+      <p:sp>
+        <p:nvSpPr>
+          <p:cNvPr id="3" name="Content Placeholder 2"/>
+          <p:cNvSpPr>
+            <a:spLocks noGrp="1"/>
+          </p:cNvSpPr>
+          <p:nvPr>
+            <p:ph idx="1"/>
+          </p:nvPr>
+        </p:nvSpPr>
+        <p:spPr/>
+        <p:txBody>
+          <a:bodyPr/>
+          <a:lstStyle/>
+          <a:p>
+            <a:r>
+              <a:rPr lang="en-US" dirty="0" smtClean="0">
+                <a:hlinkClick r:id="rId2"/>
+              </a:rPr>
+              <a:t>https://</a:t>
+            </a:r>
+            <a:r>
+              <a:rPr lang="en-US" dirty="0" smtClean="0">
+                <a:hlinkClick r:id="rId2"/>
+              </a:rPr>
+              <a:t>github.com/Isantipov/HotScroll</a:t>
+            </a:r>
+            <a:endParaRPr lang="en-US" dirty="0" smtClean="0"/>
+          </a:p>
+          <a:p>
+            <a:r>
+              <a:rPr lang="en-US" dirty="0" smtClean="0"/>
+              <a:t>Team</a:t>
+            </a:r>
+            <a:r>
+              <a:rPr lang="ru-RU" dirty="0" smtClean="0"/>
+              <a:t>: </a:t>
+            </a:r>
+            <a:r>
+              <a:rPr lang="en-US" dirty="0" smtClean="0"/>
+              <a:t> </a:t>
+            </a:r>
+            <a:endParaRPr lang="en-US" dirty="0" smtClean="0">
+              <a:hlinkClick r:id="rId3"/>
+            </a:endParaRPr>
+          </a:p>
+          <a:p>
+            <a:pPr lvl="1"/>
+            <a:r>
+              <a:rPr lang="en-US" dirty="0" smtClean="0">
+                <a:hlinkClick r:id="rId3"/>
+              </a:rPr>
+              <a:t>ivan.antsipau@gmail.com</a:t>
+            </a:r>
+            <a:endParaRPr lang="en-US" dirty="0" smtClean="0">
+              <a:hlinkClick r:id="rId3"/>
+            </a:endParaRPr>
+          </a:p>
+          <a:p>
+            <a:pPr lvl="1"/>
+            <a:r>
+              <a:rPr lang="en-US" dirty="0" smtClean="0">
+                <a:hlinkClick r:id="rId3"/>
+              </a:rPr>
+              <a:t>d.parf@live.com</a:t>
+            </a:r>
+          </a:p>
+          <a:p>
+            <a:pPr lvl="1"/>
+            <a:r>
+              <a:rPr lang="en-US" smtClean="0">
+                <a:hlinkClick r:id="rId3"/>
+              </a:rPr>
+              <a:t>e.leychenok@gmail.com</a:t>
+            </a:r>
+          </a:p>
+          <a:p>
+            <a:pPr lvl="1"/>
+            <a:endParaRPr lang="en-US" dirty="0" smtClean="0">
+              <a:hlinkClick r:id="rId3"/>
+            </a:endParaRPr>
+          </a:p>
+          <a:p>
+            <a:pPr lvl="1"/>
+            <a:r>
+              <a:rPr lang="en-US" dirty="0" smtClean="0">
+                <a:hlinkClick r:id="rId4"/>
+              </a:rPr>
+              <a:t>19graff91@gmail.com</a:t>
+            </a:r>
+            <a:r>
+              <a:rPr lang="en-US" dirty="0" smtClean="0"/>
+              <a:t>   </a:t>
+            </a:r>
+          </a:p>
+          <a:p>
+            <a:pPr lvl="1"/>
+            <a:endParaRPr lang="en-US" dirty="0" smtClean="0"/>
+          </a:p>
+          <a:p>
+            <a:endParaRPr lang="ru-RU" dirty="0"/>
+          </a:p>
+        </p:txBody>
+      </p:sp>
+    </p:spTree>
+  </p:cSld>
+  <p:clrMapOvr>
+    <a:masterClrMapping/>
+  </p:clrMapOvr>
+</p:sld>
+</file>
+
+<file path=ppt/slides/slide5.xml><?xml version="1.0" encoding="utf-8"?>
+<p:sld xmlns:a="http://schemas.openxmlformats.org/drawingml/2006/main" xmlns:r="http://schemas.openxmlformats.org/officeDocument/2006/relationships" xmlns:p="http://schemas.openxmlformats.org/presentationml/2006/main">
+  <p:cSld>
+    <p:spTree>
+      <p:nvGrpSpPr>
+        <p:cNvPr id="1" name=""/>
+        <p:cNvGrpSpPr/>
+        <p:nvPr/>
+      </p:nvGrpSpPr>
+      <p:grpSpPr>
+        <a:xfrm>
+          <a:off x="0" y="0"/>
+          <a:ext cx="0" cy="0"/>
+          <a:chOff x="0" y="0"/>
+          <a:chExt cx="0" cy="0"/>
+        </a:xfrm>
+      </p:grpSpPr>
+      <p:sp>
+        <p:nvSpPr>
+          <p:cNvPr id="2" name="Title 1"/>
+          <p:cNvSpPr>
+            <a:spLocks noGrp="1"/>
+          </p:cNvSpPr>
+          <p:nvPr>
+            <p:ph type="title"/>
+          </p:nvPr>
+        </p:nvSpPr>
+        <p:spPr/>
+        <p:txBody>
+          <a:bodyPr/>
+          <a:lstStyle/>
+          <a:p>
+            <a:r>
+              <a:rPr lang="en-US" dirty="0" smtClean="0"/>
               <a:t>First Round of Investment</a:t>
             </a:r>
             <a:endParaRPr lang="ru-RU" dirty="0"/>
@@ -3379,7 +3668,7 @@
 </p:sld>
 </file>
 
-<file path=ppt/slides/slide3.xml><?xml version="1.0" encoding="utf-8"?>
+<file path=ppt/slides/slide6.xml><?xml version="1.0" encoding="utf-8"?>
 <p:sld xmlns:a="http://schemas.openxmlformats.org/drawingml/2006/main" xmlns:r="http://schemas.openxmlformats.org/officeDocument/2006/relationships" xmlns:p="http://schemas.openxmlformats.org/presentationml/2006/main">
   <p:cSld>
     <p:spTree>
@@ -3493,7 +3782,7 @@
 </p:sld>
 </file>
 
-<file path=ppt/slides/slide4.xml><?xml version="1.0" encoding="utf-8"?>
+<file path=ppt/slides/slide7.xml><?xml version="1.0" encoding="utf-8"?>
 <p:sld xmlns:a="http://schemas.openxmlformats.org/drawingml/2006/main" xmlns:r="http://schemas.openxmlformats.org/officeDocument/2006/relationships" xmlns:p="http://schemas.openxmlformats.org/presentationml/2006/main">
   <p:cSld>
     <p:spTree>

--- a/Presentation.pptx
+++ b/Presentation.pptx
@@ -3256,15 +3256,53 @@
           <a:bodyPr/>
           <a:lstStyle/>
           <a:p>
+            <a:pPr algn="ctr"/>
+            <a:r>
+              <a:rPr lang="en-US" dirty="0" smtClean="0"/>
+              <a:t>Get ready!</a:t>
+            </a:r>
             <a:endParaRPr lang="ru-RU" dirty="0"/>
           </a:p>
         </p:txBody>
       </p:sp>
+      <p:pic>
+        <p:nvPicPr>
+          <p:cNvPr id="2050" name="Picture 2" descr="http://media.memories.nokia.com/media/33dd9e6a-7bfb-45fb-83b7-4ee4e3f39231.gif"/>
+          <p:cNvPicPr>
+            <a:picLocks noChangeAspect="1" noChangeArrowheads="1" noCrop="1"/>
+          </p:cNvPicPr>
+          <p:nvPr/>
+        </p:nvPicPr>
+        <p:blipFill>
+          <a:blip r:embed="rId2" cstate="print"/>
+          <a:srcRect/>
+          <a:stretch>
+            <a:fillRect/>
+          </a:stretch>
+        </p:blipFill>
+        <p:spPr bwMode="auto">
+          <a:xfrm>
+            <a:off x="899592" y="2204864"/>
+            <a:ext cx="7620000" cy="4267200"/>
+          </a:xfrm>
+          <a:prstGeom prst="rect">
+            <a:avLst/>
+          </a:prstGeom>
+          <a:noFill/>
+        </p:spPr>
+      </p:pic>
     </p:spTree>
   </p:cSld>
   <p:clrMapOvr>
     <a:masterClrMapping/>
   </p:clrMapOvr>
+  <p:timing>
+    <p:tnLst>
+      <p:par>
+        <p:cTn id="1" dur="indefinite" restart="never" nodeType="tmRoot"/>
+      </p:par>
+    </p:tnLst>
+  </p:timing>
 </p:sld>
 </file>
 
@@ -3378,7 +3416,7 @@
           <a:p>
             <a:pPr lvl="1"/>
             <a:r>
-              <a:rPr lang="en-US" smtClean="0">
+              <a:rPr lang="en-US" dirty="0" smtClean="0">
                 <a:hlinkClick r:id="rId3"/>
               </a:rPr>
               <a:t>e.leychenok@gmail.com</a:t>
@@ -3417,6 +3455,13 @@
   <p:clrMapOvr>
     <a:masterClrMapping/>
   </p:clrMapOvr>
+  <p:timing>
+    <p:tnLst>
+      <p:par>
+        <p:cTn id="1" dur="indefinite" restart="never" nodeType="tmRoot"/>
+      </p:par>
+    </p:tnLst>
+  </p:timing>
 </p:sld>
 </file>
 
@@ -3665,6 +3710,13 @@
   <p:clrMapOvr>
     <a:masterClrMapping/>
   </p:clrMapOvr>
+  <p:timing>
+    <p:tnLst>
+      <p:par>
+        <p:cTn id="1" dur="indefinite" restart="never" nodeType="tmRoot"/>
+      </p:par>
+    </p:tnLst>
+  </p:timing>
 </p:sld>
 </file>
 

--- a/Presentation.pptx
+++ b/Presentation.pptx
@@ -2545,9 +2545,12 @@
 <p:sldMaster xmlns:a="http://schemas.openxmlformats.org/drawingml/2006/main" xmlns:r="http://schemas.openxmlformats.org/officeDocument/2006/relationships" xmlns:p="http://schemas.openxmlformats.org/presentationml/2006/main">
   <p:cSld>
     <p:bg>
-      <p:bgRef idx="1001">
-        <a:schemeClr val="bg1"/>
-      </p:bgRef>
+      <p:bgPr>
+        <a:solidFill>
+          <a:schemeClr val="tx1"/>
+        </a:solidFill>
+        <a:effectLst/>
+      </p:bgPr>
     </p:bg>
     <p:spTree>
       <p:nvGrpSpPr>
@@ -3167,29 +3170,41 @@
           <a:lstStyle/>
           <a:p>
             <a:r>
-              <a:rPr lang="en-US" dirty="0" smtClean="0"/>
+              <a:rPr lang="en-US" dirty="0" smtClean="0">
+                <a:solidFill>
+                  <a:schemeClr val="bg1">
+                    <a:lumMod val="85000"/>
+                  </a:schemeClr>
+                </a:solidFill>
+              </a:rPr>
               <a:t>13:00</a:t>
             </a:r>
+            <a:endParaRPr lang="ru-RU" dirty="0">
+              <a:solidFill>
+                <a:schemeClr val="bg1">
+                  <a:lumMod val="85000"/>
+                </a:schemeClr>
+              </a:solidFill>
+            </a:endParaRPr>
+          </a:p>
+        </p:txBody>
+      </p:sp>
+      <p:sp>
+        <p:nvSpPr>
+          <p:cNvPr id="3" name="Content Placeholder 2"/>
+          <p:cNvSpPr>
+            <a:spLocks noGrp="1"/>
+          </p:cNvSpPr>
+          <p:nvPr>
+            <p:ph idx="1"/>
+          </p:nvPr>
+        </p:nvSpPr>
+        <p:spPr/>
+        <p:txBody>
+          <a:bodyPr/>
+          <a:lstStyle/>
+          <a:p>
             <a:endParaRPr lang="ru-RU" dirty="0"/>
-          </a:p>
-        </p:txBody>
-      </p:sp>
-      <p:sp>
-        <p:nvSpPr>
-          <p:cNvPr id="3" name="Content Placeholder 2"/>
-          <p:cNvSpPr>
-            <a:spLocks noGrp="1"/>
-          </p:cNvSpPr>
-          <p:nvPr>
-            <p:ph idx="1"/>
-          </p:nvPr>
-        </p:nvSpPr>
-        <p:spPr/>
-        <p:txBody>
-          <a:bodyPr/>
-          <a:lstStyle/>
-          <a:p>
-            <a:endParaRPr lang="ru-RU"/>
           </a:p>
         </p:txBody>
       </p:sp>
@@ -3198,6 +3213,13 @@
   <p:clrMapOvr>
     <a:masterClrMapping/>
   </p:clrMapOvr>
+  <p:timing>
+    <p:tnLst>
+      <p:par>
+        <p:cTn id="1" dur="indefinite" restart="never" nodeType="tmRoot"/>
+      </p:par>
+    </p:tnLst>
+  </p:timing>
 </p:sld>
 </file>
 
@@ -3234,10 +3256,22 @@
           <a:lstStyle/>
           <a:p>
             <a:r>
-              <a:rPr lang="en-US" dirty="0" smtClean="0"/>
+              <a:rPr lang="en-US" dirty="0" smtClean="0">
+                <a:solidFill>
+                  <a:schemeClr val="bg1">
+                    <a:lumMod val="85000"/>
+                  </a:schemeClr>
+                </a:solidFill>
+              </a:rPr>
               <a:t>22:00</a:t>
             </a:r>
-            <a:endParaRPr lang="ru-RU" dirty="0"/>
+            <a:endParaRPr lang="ru-RU" dirty="0">
+              <a:solidFill>
+                <a:schemeClr val="bg1">
+                  <a:lumMod val="85000"/>
+                </a:schemeClr>
+              </a:solidFill>
+            </a:endParaRPr>
           </a:p>
         </p:txBody>
       </p:sp>
@@ -3258,10 +3292,22 @@
           <a:p>
             <a:pPr algn="ctr"/>
             <a:r>
-              <a:rPr lang="en-US" dirty="0" smtClean="0"/>
+              <a:rPr lang="en-US" dirty="0" smtClean="0">
+                <a:solidFill>
+                  <a:schemeClr val="bg1">
+                    <a:lumMod val="85000"/>
+                  </a:schemeClr>
+                </a:solidFill>
+              </a:rPr>
               <a:t>Get ready!</a:t>
             </a:r>
-            <a:endParaRPr lang="ru-RU" dirty="0"/>
+            <a:endParaRPr lang="ru-RU" dirty="0">
+              <a:solidFill>
+                <a:schemeClr val="bg1">
+                  <a:lumMod val="85000"/>
+                </a:schemeClr>
+              </a:solidFill>
+            </a:endParaRPr>
           </a:p>
         </p:txBody>
       </p:sp>
@@ -3339,10 +3385,22 @@
           <a:lstStyle/>
           <a:p>
             <a:r>
-              <a:rPr lang="en-US" dirty="0" smtClean="0"/>
+              <a:rPr lang="en-US" dirty="0" smtClean="0">
+                <a:solidFill>
+                  <a:schemeClr val="bg1">
+                    <a:lumMod val="85000"/>
+                  </a:schemeClr>
+                </a:solidFill>
+              </a:rPr>
               <a:t>Thank You!</a:t>
             </a:r>
-            <a:endParaRPr lang="ru-RU" dirty="0"/>
+            <a:endParaRPr lang="ru-RU" dirty="0">
+              <a:solidFill>
+                <a:schemeClr val="bg1">
+                  <a:lumMod val="85000"/>
+                </a:schemeClr>
+              </a:solidFill>
+            </a:endParaRPr>
           </a:p>
         </p:txBody>
       </p:sp>
@@ -3356,97 +3414,413 @@
             <p:ph idx="1"/>
           </p:nvPr>
         </p:nvSpPr>
-        <p:spPr/>
+        <p:spPr>
+          <a:xfrm>
+            <a:off x="395536" y="2780928"/>
+            <a:ext cx="5770984" cy="4525963"/>
+          </a:xfrm>
+        </p:spPr>
         <p:txBody>
           <a:bodyPr/>
           <a:lstStyle/>
           <a:p>
             <a:r>
               <a:rPr lang="en-US" dirty="0" smtClean="0">
+                <a:solidFill>
+                  <a:schemeClr val="bg1">
+                    <a:lumMod val="85000"/>
+                  </a:schemeClr>
+                </a:solidFill>
+              </a:rPr>
+              <a:t>Team (Client app)</a:t>
+            </a:r>
+            <a:r>
+              <a:rPr lang="ru-RU" dirty="0" smtClean="0">
+                <a:solidFill>
+                  <a:schemeClr val="bg1">
+                    <a:lumMod val="85000"/>
+                  </a:schemeClr>
+                </a:solidFill>
+              </a:rPr>
+              <a:t>: </a:t>
+            </a:r>
+            <a:r>
+              <a:rPr lang="en-US" dirty="0" smtClean="0">
+                <a:solidFill>
+                  <a:schemeClr val="bg1">
+                    <a:lumMod val="85000"/>
+                  </a:schemeClr>
+                </a:solidFill>
+              </a:rPr>
+              <a:t> </a:t>
+            </a:r>
+            <a:endParaRPr lang="en-US" dirty="0" smtClean="0">
+              <a:solidFill>
+                <a:schemeClr val="bg1">
+                  <a:lumMod val="85000"/>
+                </a:schemeClr>
+              </a:solidFill>
+              <a:hlinkClick r:id="rId2"/>
+            </a:endParaRPr>
+          </a:p>
+          <a:p>
+            <a:pPr lvl="1"/>
+            <a:r>
+              <a:rPr lang="en-US" dirty="0" smtClean="0">
+                <a:solidFill>
+                  <a:schemeClr val="bg1">
+                    <a:lumMod val="85000"/>
+                  </a:schemeClr>
+                </a:solidFill>
                 <a:hlinkClick r:id="rId2"/>
               </a:rPr>
-              <a:t>https://</a:t>
-            </a:r>
+              <a:t>alex.skakun@me.com</a:t>
+            </a:r>
+            <a:endParaRPr lang="en-US" dirty="0" smtClean="0">
+              <a:solidFill>
+                <a:schemeClr val="bg1">
+                  <a:lumMod val="85000"/>
+                </a:schemeClr>
+              </a:solidFill>
+              <a:hlinkClick r:id="rId2"/>
+            </a:endParaRPr>
+          </a:p>
+          <a:p>
+            <a:pPr lvl="1"/>
             <a:r>
               <a:rPr lang="en-US" dirty="0" smtClean="0">
+                <a:solidFill>
+                  <a:schemeClr val="bg1">
+                    <a:lumMod val="85000"/>
+                  </a:schemeClr>
+                </a:solidFill>
                 <a:hlinkClick r:id="rId2"/>
               </a:rPr>
-              <a:t>github.com/Isantipov/HotScroll</a:t>
-            </a:r>
-            <a:endParaRPr lang="en-US" dirty="0" smtClean="0"/>
-          </a:p>
-          <a:p>
-            <a:r>
-              <a:rPr lang="en-US" dirty="0" smtClean="0"/>
-              <a:t>Team</a:t>
-            </a:r>
-            <a:r>
-              <a:rPr lang="ru-RU" dirty="0" smtClean="0"/>
-              <a:t>: </a:t>
-            </a:r>
-            <a:r>
-              <a:rPr lang="en-US" dirty="0" smtClean="0"/>
-              <a:t> </a:t>
+              <a:t>e.leychenok@gmail.com</a:t>
             </a:r>
             <a:endParaRPr lang="en-US" dirty="0" smtClean="0">
-              <a:hlinkClick r:id="rId3"/>
+              <a:solidFill>
+                <a:schemeClr val="bg1">
+                  <a:lumMod val="85000"/>
+                </a:schemeClr>
+              </a:solidFill>
+              <a:hlinkClick r:id="rId2"/>
             </a:endParaRPr>
           </a:p>
           <a:p>
             <a:pPr lvl="1"/>
             <a:r>
               <a:rPr lang="en-US" dirty="0" smtClean="0">
+                <a:solidFill>
+                  <a:schemeClr val="bg1">
+                    <a:lumMod val="85000"/>
+                  </a:schemeClr>
+                </a:solidFill>
                 <a:hlinkClick r:id="rId3"/>
               </a:rPr>
-              <a:t>ivan.antsipau@gmail.com</a:t>
-            </a:r>
+              <a:t>19graff91@gmail.com</a:t>
+            </a:r>
+            <a:r>
+              <a:rPr lang="en-US" dirty="0" smtClean="0">
+                <a:solidFill>
+                  <a:schemeClr val="bg1">
+                    <a:lumMod val="85000"/>
+                  </a:schemeClr>
+                </a:solidFill>
+              </a:rPr>
+              <a:t>   </a:t>
+            </a:r>
+          </a:p>
+          <a:p>
+            <a:pPr lvl="1"/>
             <a:endParaRPr lang="en-US" dirty="0" smtClean="0">
-              <a:hlinkClick r:id="rId3"/>
+              <a:solidFill>
+                <a:schemeClr val="bg1">
+                  <a:lumMod val="85000"/>
+                </a:schemeClr>
+              </a:solidFill>
             </a:endParaRPr>
           </a:p>
           <a:p>
-            <a:pPr lvl="1"/>
-            <a:r>
-              <a:rPr lang="en-US" dirty="0" smtClean="0">
-                <a:hlinkClick r:id="rId3"/>
+            <a:endParaRPr lang="ru-RU" dirty="0">
+              <a:solidFill>
+                <a:schemeClr val="bg1">
+                  <a:lumMod val="85000"/>
+                </a:schemeClr>
+              </a:solidFill>
+            </a:endParaRPr>
+          </a:p>
+        </p:txBody>
+      </p:sp>
+      <p:sp>
+        <p:nvSpPr>
+          <p:cNvPr id="4" name="Content Placeholder 2"/>
+          <p:cNvSpPr txBox="1">
+            <a:spLocks/>
+          </p:cNvSpPr>
+          <p:nvPr/>
+        </p:nvSpPr>
+        <p:spPr>
+          <a:xfrm>
+            <a:off x="4860032" y="2636912"/>
+            <a:ext cx="3888432" cy="4525963"/>
+          </a:xfrm>
+          <a:prstGeom prst="rect">
+            <a:avLst/>
+          </a:prstGeom>
+        </p:spPr>
+        <p:txBody>
+          <a:bodyPr vert="horz" lIns="91440" tIns="45720" rIns="91440" bIns="45720" rtlCol="0">
+            <a:normAutofit/>
+          </a:bodyPr>
+          <a:lstStyle/>
+          <a:p>
+            <a:pPr marL="342900" marR="0" lvl="0" indent="-342900" algn="l" defTabSz="914400" rtl="0" eaLnBrk="1" fontAlgn="auto" latinLnBrk="0" hangingPunct="1">
+              <a:lnSpc>
+                <a:spcPct val="100000"/>
+              </a:lnSpc>
+              <a:spcBef>
+                <a:spcPct val="20000"/>
+              </a:spcBef>
+              <a:spcAft>
+                <a:spcPts val="0"/>
+              </a:spcAft>
+              <a:buClrTx/>
+              <a:buSzTx/>
+              <a:buFont typeface="Arial" pitchFamily="34" charset="0"/>
+              <a:buChar char="•"/>
+              <a:tabLst/>
+              <a:defRPr/>
+            </a:pPr>
+            <a:r>
+              <a:rPr kumimoji="0" lang="en-US" sz="3200" b="0" i="0" u="none" strike="noStrike" kern="1200" cap="none" spc="0" normalizeH="0" baseline="0" noProof="0" dirty="0" smtClean="0">
+                <a:ln>
+                  <a:noFill/>
+                </a:ln>
+                <a:solidFill>
+                  <a:schemeClr val="bg1">
+                    <a:lumMod val="85000"/>
+                  </a:schemeClr>
+                </a:solidFill>
+                <a:effectLst/>
+                <a:uLnTx/>
+                <a:uFillTx/>
+                <a:latin typeface="+mn-lt"/>
+                <a:ea typeface="+mn-ea"/>
+                <a:cs typeface="+mn-cs"/>
+              </a:rPr>
+              <a:t>Team (Back-End)</a:t>
+            </a:r>
+            <a:r>
+              <a:rPr kumimoji="0" lang="ru-RU" sz="3200" b="0" i="0" u="none" strike="noStrike" kern="1200" cap="none" spc="0" normalizeH="0" baseline="0" noProof="0" dirty="0" smtClean="0">
+                <a:ln>
+                  <a:noFill/>
+                </a:ln>
+                <a:solidFill>
+                  <a:schemeClr val="bg1">
+                    <a:lumMod val="85000"/>
+                  </a:schemeClr>
+                </a:solidFill>
+                <a:effectLst/>
+                <a:uLnTx/>
+                <a:uFillTx/>
+                <a:latin typeface="+mn-lt"/>
+                <a:ea typeface="+mn-ea"/>
+                <a:cs typeface="+mn-cs"/>
+              </a:rPr>
+              <a:t>: </a:t>
+            </a:r>
+            <a:r>
+              <a:rPr kumimoji="0" lang="en-US" sz="3200" b="0" i="0" u="none" strike="noStrike" kern="1200" cap="none" spc="0" normalizeH="0" baseline="0" noProof="0" dirty="0" smtClean="0">
+                <a:ln>
+                  <a:noFill/>
+                </a:ln>
+                <a:solidFill>
+                  <a:schemeClr val="bg1">
+                    <a:lumMod val="85000"/>
+                  </a:schemeClr>
+                </a:solidFill>
+                <a:effectLst/>
+                <a:uLnTx/>
+                <a:uFillTx/>
+                <a:latin typeface="+mn-lt"/>
+                <a:ea typeface="+mn-ea"/>
+                <a:cs typeface="+mn-cs"/>
+              </a:rPr>
+              <a:t> </a:t>
+            </a:r>
+            <a:endParaRPr kumimoji="0" lang="en-US" sz="3200" b="0" i="0" u="none" strike="noStrike" kern="1200" cap="none" spc="0" normalizeH="0" baseline="0" noProof="0" dirty="0" smtClean="0">
+              <a:ln>
+                <a:noFill/>
+              </a:ln>
+              <a:solidFill>
+                <a:schemeClr val="bg1">
+                  <a:lumMod val="85000"/>
+                </a:schemeClr>
+              </a:solidFill>
+              <a:effectLst/>
+              <a:uLnTx/>
+              <a:uFillTx/>
+              <a:latin typeface="+mn-lt"/>
+              <a:ea typeface="+mn-ea"/>
+              <a:cs typeface="+mn-cs"/>
+              <a:hlinkClick r:id="rId2"/>
+            </a:endParaRPr>
+          </a:p>
+          <a:p>
+            <a:pPr marL="742950" lvl="1" indent="-285750">
+              <a:spcBef>
+                <a:spcPct val="20000"/>
+              </a:spcBef>
+              <a:buFont typeface="Arial" pitchFamily="34" charset="0"/>
+              <a:buChar char="–"/>
+            </a:pPr>
+            <a:r>
+              <a:rPr lang="en-US" sz="2800" dirty="0" smtClean="0">
+                <a:solidFill>
+                  <a:schemeClr val="bg1">
+                    <a:lumMod val="85000"/>
+                  </a:schemeClr>
+                </a:solidFill>
+                <a:hlinkClick r:id="rId2"/>
               </a:rPr>
               <a:t>d.parf@live.com</a:t>
             </a:r>
-          </a:p>
-          <a:p>
-            <a:pPr lvl="1"/>
-            <a:r>
-              <a:rPr lang="en-US" dirty="0" smtClean="0">
-                <a:hlinkClick r:id="rId3"/>
+            <a:endParaRPr kumimoji="0" lang="en-US" sz="2800" b="0" i="0" u="none" strike="noStrike" kern="1200" cap="none" spc="0" normalizeH="0" baseline="0" noProof="0" dirty="0" smtClean="0">
+              <a:ln>
+                <a:noFill/>
+              </a:ln>
+              <a:solidFill>
+                <a:schemeClr val="bg1">
+                  <a:lumMod val="85000"/>
+                </a:schemeClr>
+              </a:solidFill>
+              <a:effectLst/>
+              <a:uLnTx/>
+              <a:uFillTx/>
+              <a:latin typeface="+mn-lt"/>
+              <a:ea typeface="+mn-ea"/>
+              <a:cs typeface="+mn-cs"/>
+              <a:hlinkClick r:id="rId2"/>
+            </a:endParaRPr>
+          </a:p>
+          <a:p>
+            <a:pPr marL="742950" marR="0" lvl="1" indent="-285750" algn="l" defTabSz="914400" rtl="0" eaLnBrk="1" fontAlgn="auto" latinLnBrk="0" hangingPunct="1">
+              <a:lnSpc>
+                <a:spcPct val="100000"/>
+              </a:lnSpc>
+              <a:spcBef>
+                <a:spcPct val="20000"/>
+              </a:spcBef>
+              <a:spcAft>
+                <a:spcPts val="0"/>
+              </a:spcAft>
+              <a:buClrTx/>
+              <a:buSzTx/>
+              <a:buFont typeface="Arial" pitchFamily="34" charset="0"/>
+              <a:buChar char="–"/>
+              <a:tabLst/>
+              <a:defRPr/>
+            </a:pPr>
+            <a:r>
+              <a:rPr kumimoji="0" lang="en-US" sz="2800" b="0" i="0" u="none" strike="noStrike" kern="1200" cap="none" spc="0" normalizeH="0" baseline="0" noProof="0" dirty="0" smtClean="0">
+                <a:ln>
+                  <a:noFill/>
+                </a:ln>
+                <a:solidFill>
+                  <a:schemeClr val="bg1">
+                    <a:lumMod val="85000"/>
+                  </a:schemeClr>
+                </a:solidFill>
+                <a:effectLst/>
+                <a:uLnTx/>
+                <a:uFillTx/>
+                <a:latin typeface="+mn-lt"/>
+                <a:ea typeface="+mn-ea"/>
+                <a:cs typeface="+mn-cs"/>
+                <a:hlinkClick r:id="rId2"/>
               </a:rPr>
-              <a:t>e.leychenok@gmail.com</a:t>
-            </a:r>
-          </a:p>
-          <a:p>
-            <a:pPr lvl="1"/>
-            <a:endParaRPr lang="en-US" dirty="0" smtClean="0">
-              <a:hlinkClick r:id="rId3"/>
+              <a:t>ivan.antsipau@gmail.com</a:t>
+            </a:r>
+          </a:p>
+          <a:p>
+            <a:pPr marL="342900" marR="0" lvl="0" indent="-342900" algn="l" defTabSz="914400" rtl="0" eaLnBrk="1" fontAlgn="auto" latinLnBrk="0" hangingPunct="1">
+              <a:lnSpc>
+                <a:spcPct val="100000"/>
+              </a:lnSpc>
+              <a:spcBef>
+                <a:spcPct val="20000"/>
+              </a:spcBef>
+              <a:spcAft>
+                <a:spcPts val="0"/>
+              </a:spcAft>
+              <a:buClrTx/>
+              <a:buSzTx/>
+              <a:buFont typeface="Arial" pitchFamily="34" charset="0"/>
+              <a:buChar char="•"/>
+              <a:tabLst/>
+              <a:defRPr/>
+            </a:pPr>
+            <a:endParaRPr kumimoji="0" lang="ru-RU" sz="3200" b="0" i="0" u="none" strike="noStrike" kern="1200" cap="none" spc="0" normalizeH="0" baseline="0" noProof="0" dirty="0">
+              <a:ln>
+                <a:noFill/>
+              </a:ln>
+              <a:solidFill>
+                <a:schemeClr val="bg1">
+                  <a:lumMod val="85000"/>
+                </a:schemeClr>
+              </a:solidFill>
+              <a:effectLst/>
+              <a:uLnTx/>
+              <a:uFillTx/>
+              <a:latin typeface="+mn-lt"/>
+              <a:ea typeface="+mn-ea"/>
+              <a:cs typeface="+mn-cs"/>
             </a:endParaRPr>
           </a:p>
-          <a:p>
-            <a:pPr lvl="1"/>
-            <a:r>
-              <a:rPr lang="en-US" dirty="0" smtClean="0">
+        </p:txBody>
+      </p:sp>
+      <p:sp>
+        <p:nvSpPr>
+          <p:cNvPr id="5" name="Content Placeholder 2"/>
+          <p:cNvSpPr txBox="1">
+            <a:spLocks/>
+          </p:cNvSpPr>
+          <p:nvPr/>
+        </p:nvSpPr>
+        <p:spPr>
+          <a:xfrm>
+            <a:off x="1043608" y="1412777"/>
+            <a:ext cx="7344816" cy="1080119"/>
+          </a:xfrm>
+          <a:prstGeom prst="rect">
+            <a:avLst/>
+          </a:prstGeom>
+        </p:spPr>
+        <p:txBody>
+          <a:bodyPr vert="horz" lIns="91440" tIns="45720" rIns="91440" bIns="45720" rtlCol="0">
+            <a:normAutofit/>
+          </a:bodyPr>
+          <a:lstStyle/>
+          <a:p>
+            <a:r>
+              <a:rPr lang="en-US" sz="3200" dirty="0" smtClean="0">
+                <a:solidFill>
+                  <a:schemeClr val="bg1">
+                    <a:lumMod val="85000"/>
+                  </a:schemeClr>
+                </a:solidFill>
                 <a:hlinkClick r:id="rId4"/>
               </a:rPr>
-              <a:t>19graff91@gmail.com</a:t>
-            </a:r>
-            <a:r>
-              <a:rPr lang="en-US" dirty="0" smtClean="0"/>
-              <a:t>   </a:t>
-            </a:r>
-          </a:p>
-          <a:p>
-            <a:pPr lvl="1"/>
-            <a:endParaRPr lang="en-US" dirty="0" smtClean="0"/>
-          </a:p>
-          <a:p>
-            <a:endParaRPr lang="ru-RU" dirty="0"/>
+              <a:t>https://github.com/Isantipov/HotScroll</a:t>
+            </a:r>
+            <a:endParaRPr lang="en-US" sz="3200" dirty="0" smtClean="0">
+              <a:solidFill>
+                <a:schemeClr val="bg1">
+                  <a:lumMod val="85000"/>
+                </a:schemeClr>
+              </a:solidFill>
+            </a:endParaRPr>
           </a:p>
         </p:txBody>
       </p:sp>

--- a/Presentation.pptx
+++ b/Presentation.pptx
@@ -3369,6 +3369,32 @@
           <a:chExt cx="0" cy="0"/>
         </a:xfrm>
       </p:grpSpPr>
+      <p:pic>
+        <p:nvPicPr>
+          <p:cNvPr id="4098" name="Picture 2" descr="http://cs302415.vk.me/v302415039/75f/98YAwLPxAuM.jpg"/>
+          <p:cNvPicPr>
+            <a:picLocks noChangeAspect="1" noChangeArrowheads="1"/>
+          </p:cNvPicPr>
+          <p:nvPr/>
+        </p:nvPicPr>
+        <p:blipFill>
+          <a:blip r:embed="rId2" cstate="print"/>
+          <a:srcRect/>
+          <a:stretch>
+            <a:fillRect/>
+          </a:stretch>
+        </p:blipFill>
+        <p:spPr bwMode="auto">
+          <a:xfrm>
+            <a:off x="5364088" y="4365104"/>
+            <a:ext cx="3448844" cy="2301133"/>
+          </a:xfrm>
+          <a:prstGeom prst="rect">
+            <a:avLst/>
+          </a:prstGeom>
+          <a:noFill/>
+        </p:spPr>
+      </p:pic>
       <p:sp>
         <p:nvSpPr>
           <p:cNvPr id="2" name="Title 1"/>
@@ -3416,16 +3442,18 @@
         </p:nvSpPr>
         <p:spPr>
           <a:xfrm>
-            <a:off x="395536" y="2780928"/>
+            <a:off x="395536" y="2204864"/>
             <a:ext cx="5770984" cy="4525963"/>
           </a:xfrm>
         </p:spPr>
         <p:txBody>
-          <a:bodyPr/>
-          <a:lstStyle/>
-          <a:p>
-            <a:r>
-              <a:rPr lang="en-US" dirty="0" smtClean="0">
+          <a:bodyPr>
+            <a:normAutofit/>
+          </a:bodyPr>
+          <a:lstStyle/>
+          <a:p>
+            <a:r>
+              <a:rPr lang="en-US" sz="2800" dirty="0" smtClean="0">
                 <a:solidFill>
                   <a:schemeClr val="bg1">
                     <a:lumMod val="85000"/>
@@ -3435,7 +3463,7 @@
               <a:t>Team (Client app)</a:t>
             </a:r>
             <a:r>
-              <a:rPr lang="ru-RU" dirty="0" smtClean="0">
+              <a:rPr lang="ru-RU" sz="2800" dirty="0" smtClean="0">
                 <a:solidFill>
                   <a:schemeClr val="bg1">
                     <a:lumMod val="85000"/>
@@ -3445,7 +3473,7 @@
               <a:t>: </a:t>
             </a:r>
             <a:r>
-              <a:rPr lang="en-US" dirty="0" smtClean="0">
+              <a:rPr lang="en-US" sz="2800" dirty="0" smtClean="0">
                 <a:solidFill>
                   <a:schemeClr val="bg1">
                     <a:lumMod val="85000"/>
@@ -3454,63 +3482,19 @@
               </a:rPr>
               <a:t> </a:t>
             </a:r>
-            <a:endParaRPr lang="en-US" dirty="0" smtClean="0">
+            <a:endParaRPr lang="en-US" sz="2800" dirty="0" smtClean="0">
               <a:solidFill>
                 <a:schemeClr val="bg1">
                   <a:lumMod val="85000"/>
                 </a:schemeClr>
               </a:solidFill>
-              <a:hlinkClick r:id="rId2"/>
+              <a:hlinkClick r:id="rId3"/>
             </a:endParaRPr>
           </a:p>
           <a:p>
             <a:pPr lvl="1"/>
             <a:r>
-              <a:rPr lang="en-US" dirty="0" smtClean="0">
-                <a:solidFill>
-                  <a:schemeClr val="bg1">
-                    <a:lumMod val="85000"/>
-                  </a:schemeClr>
-                </a:solidFill>
-                <a:hlinkClick r:id="rId2"/>
-              </a:rPr>
-              <a:t>alex.skakun@me.com</a:t>
-            </a:r>
-            <a:endParaRPr lang="en-US" dirty="0" smtClean="0">
-              <a:solidFill>
-                <a:schemeClr val="bg1">
-                  <a:lumMod val="85000"/>
-                </a:schemeClr>
-              </a:solidFill>
-              <a:hlinkClick r:id="rId2"/>
-            </a:endParaRPr>
-          </a:p>
-          <a:p>
-            <a:pPr lvl="1"/>
-            <a:r>
-              <a:rPr lang="en-US" dirty="0" smtClean="0">
-                <a:solidFill>
-                  <a:schemeClr val="bg1">
-                    <a:lumMod val="85000"/>
-                  </a:schemeClr>
-                </a:solidFill>
-                <a:hlinkClick r:id="rId2"/>
-              </a:rPr>
-              <a:t>e.leychenok@gmail.com</a:t>
-            </a:r>
-            <a:endParaRPr lang="en-US" dirty="0" smtClean="0">
-              <a:solidFill>
-                <a:schemeClr val="bg1">
-                  <a:lumMod val="85000"/>
-                </a:schemeClr>
-              </a:solidFill>
-              <a:hlinkClick r:id="rId2"/>
-            </a:endParaRPr>
-          </a:p>
-          <a:p>
-            <a:pPr lvl="1"/>
-            <a:r>
-              <a:rPr lang="en-US" dirty="0" smtClean="0">
+              <a:rPr lang="en-US" sz="2400" dirty="0" smtClean="0">
                 <a:solidFill>
                   <a:schemeClr val="bg1">
                     <a:lumMod val="85000"/>
@@ -3518,10 +3502,38 @@
                 </a:solidFill>
                 <a:hlinkClick r:id="rId3"/>
               </a:rPr>
+              <a:t>alex.skakun@me.com</a:t>
+            </a:r>
+          </a:p>
+          <a:p>
+            <a:pPr lvl="1"/>
+            <a:r>
+              <a:rPr lang="en-US" sz="2400" dirty="0" smtClean="0">
+                <a:solidFill>
+                  <a:schemeClr val="bg1">
+                    <a:lumMod val="85000"/>
+                  </a:schemeClr>
+                </a:solidFill>
+                <a:hlinkClick r:id="rId3"/>
+              </a:rPr>
+              <a:t>e.leychenok@gmail.com</a:t>
+            </a:r>
+          </a:p>
+          <a:p>
+            <a:pPr lvl="1"/>
+            <a:r>
+              <a:rPr lang="en-US" sz="2400" dirty="0" smtClean="0">
+                <a:solidFill>
+                  <a:schemeClr val="bg1">
+                    <a:lumMod val="85000"/>
+                  </a:schemeClr>
+                </a:solidFill>
+                <a:hlinkClick r:id="rId4"/>
+              </a:rPr>
               <a:t>19graff91@gmail.com</a:t>
             </a:r>
             <a:r>
-              <a:rPr lang="en-US" dirty="0" smtClean="0">
+              <a:rPr lang="en-US" sz="2400" dirty="0" smtClean="0">
                 <a:solidFill>
                   <a:schemeClr val="bg1">
                     <a:lumMod val="85000"/>
@@ -3533,7 +3545,7 @@
           </a:p>
           <a:p>
             <a:pPr lvl="1"/>
-            <a:endParaRPr lang="en-US" dirty="0" smtClean="0">
+            <a:endParaRPr lang="en-US" sz="2400" dirty="0" smtClean="0">
               <a:solidFill>
                 <a:schemeClr val="bg1">
                   <a:lumMod val="85000"/>
@@ -3542,7 +3554,7 @@
             </a:endParaRPr>
           </a:p>
           <a:p>
-            <a:endParaRPr lang="ru-RU" dirty="0">
+            <a:endParaRPr lang="ru-RU" sz="2800" dirty="0">
               <a:solidFill>
                 <a:schemeClr val="bg1">
                   <a:lumMod val="85000"/>
@@ -3562,7 +3574,7 @@
         </p:nvSpPr>
         <p:spPr>
           <a:xfrm>
-            <a:off x="4860032" y="2636912"/>
+            <a:off x="4860032" y="2204864"/>
             <a:ext cx="3888432" cy="4525963"/>
           </a:xfrm>
           <a:prstGeom prst="rect">
@@ -3593,7 +3605,7 @@
               <a:defRPr/>
             </a:pPr>
             <a:r>
-              <a:rPr kumimoji="0" lang="en-US" sz="3200" b="0" i="0" u="none" strike="noStrike" kern="1200" cap="none" spc="0" normalizeH="0" baseline="0" noProof="0" dirty="0" smtClean="0">
+              <a:rPr kumimoji="0" lang="en-US" sz="2800" b="0" i="0" u="none" strike="noStrike" kern="1200" cap="none" spc="0" normalizeH="0" baseline="0" noProof="0" dirty="0" smtClean="0">
                 <a:ln>
                   <a:noFill/>
                 </a:ln>
@@ -3612,7 +3624,7 @@
               <a:t>Team (Back-End)</a:t>
             </a:r>
             <a:r>
-              <a:rPr kumimoji="0" lang="ru-RU" sz="3200" b="0" i="0" u="none" strike="noStrike" kern="1200" cap="none" spc="0" normalizeH="0" baseline="0" noProof="0" dirty="0" smtClean="0">
+              <a:rPr kumimoji="0" lang="ru-RU" sz="2800" b="0" i="0" u="none" strike="noStrike" kern="1200" cap="none" spc="0" normalizeH="0" baseline="0" noProof="0" dirty="0" smtClean="0">
                 <a:ln>
                   <a:noFill/>
                 </a:ln>
@@ -3631,7 +3643,7 @@
               <a:t>: </a:t>
             </a:r>
             <a:r>
-              <a:rPr kumimoji="0" lang="en-US" sz="3200" b="0" i="0" u="none" strike="noStrike" kern="1200" cap="none" spc="0" normalizeH="0" baseline="0" noProof="0" dirty="0" smtClean="0">
+              <a:rPr kumimoji="0" lang="en-US" sz="2800" b="0" i="0" u="none" strike="noStrike" kern="1200" cap="none" spc="0" normalizeH="0" baseline="0" noProof="0" dirty="0" smtClean="0">
                 <a:ln>
                   <a:noFill/>
                 </a:ln>
@@ -3649,43 +3661,6 @@
               </a:rPr>
               <a:t> </a:t>
             </a:r>
-            <a:endParaRPr kumimoji="0" lang="en-US" sz="3200" b="0" i="0" u="none" strike="noStrike" kern="1200" cap="none" spc="0" normalizeH="0" baseline="0" noProof="0" dirty="0" smtClean="0">
-              <a:ln>
-                <a:noFill/>
-              </a:ln>
-              <a:solidFill>
-                <a:schemeClr val="bg1">
-                  <a:lumMod val="85000"/>
-                </a:schemeClr>
-              </a:solidFill>
-              <a:effectLst/>
-              <a:uLnTx/>
-              <a:uFillTx/>
-              <a:latin typeface="+mn-lt"/>
-              <a:ea typeface="+mn-ea"/>
-              <a:cs typeface="+mn-cs"/>
-              <a:hlinkClick r:id="rId2"/>
-            </a:endParaRPr>
-          </a:p>
-          <a:p>
-            <a:pPr marL="742950" lvl="1" indent="-285750">
-              <a:spcBef>
-                <a:spcPct val="20000"/>
-              </a:spcBef>
-              <a:buFont typeface="Arial" pitchFamily="34" charset="0"/>
-              <a:buChar char="–"/>
-            </a:pPr>
-            <a:r>
-              <a:rPr lang="en-US" sz="2800" dirty="0" smtClean="0">
-                <a:solidFill>
-                  <a:schemeClr val="bg1">
-                    <a:lumMod val="85000"/>
-                  </a:schemeClr>
-                </a:solidFill>
-                <a:hlinkClick r:id="rId2"/>
-              </a:rPr>
-              <a:t>d.parf@live.com</a:t>
-            </a:r>
             <a:endParaRPr kumimoji="0" lang="en-US" sz="2800" b="0" i="0" u="none" strike="noStrike" kern="1200" cap="none" spc="0" normalizeH="0" baseline="0" noProof="0" dirty="0" smtClean="0">
               <a:ln>
                 <a:noFill/>
@@ -3701,7 +3676,44 @@
               <a:latin typeface="+mn-lt"/>
               <a:ea typeface="+mn-ea"/>
               <a:cs typeface="+mn-cs"/>
-              <a:hlinkClick r:id="rId2"/>
+              <a:hlinkClick r:id="rId3"/>
+            </a:endParaRPr>
+          </a:p>
+          <a:p>
+            <a:pPr marL="742950" lvl="1" indent="-285750">
+              <a:spcBef>
+                <a:spcPct val="20000"/>
+              </a:spcBef>
+              <a:buFont typeface="Arial" pitchFamily="34" charset="0"/>
+              <a:buChar char="–"/>
+            </a:pPr>
+            <a:r>
+              <a:rPr lang="en-US" sz="2400" dirty="0" smtClean="0">
+                <a:solidFill>
+                  <a:schemeClr val="bg1">
+                    <a:lumMod val="85000"/>
+                  </a:schemeClr>
+                </a:solidFill>
+                <a:hlinkClick r:id="rId3"/>
+              </a:rPr>
+              <a:t>d.parf@live.com</a:t>
+            </a:r>
+            <a:endParaRPr kumimoji="0" lang="en-US" sz="2400" b="0" i="0" u="none" strike="noStrike" kern="1200" cap="none" spc="0" normalizeH="0" baseline="0" noProof="0" dirty="0" smtClean="0">
+              <a:ln>
+                <a:noFill/>
+              </a:ln>
+              <a:solidFill>
+                <a:schemeClr val="bg1">
+                  <a:lumMod val="85000"/>
+                </a:schemeClr>
+              </a:solidFill>
+              <a:effectLst/>
+              <a:uLnTx/>
+              <a:uFillTx/>
+              <a:latin typeface="+mn-lt"/>
+              <a:ea typeface="+mn-ea"/>
+              <a:cs typeface="+mn-cs"/>
+              <a:hlinkClick r:id="rId3"/>
             </a:endParaRPr>
           </a:p>
           <a:p>
@@ -3723,7 +3735,7 @@
               <a:defRPr/>
             </a:pPr>
             <a:r>
-              <a:rPr kumimoji="0" lang="en-US" sz="2800" b="0" i="0" u="none" strike="noStrike" kern="1200" cap="none" spc="0" normalizeH="0" baseline="0" noProof="0" dirty="0" smtClean="0">
+              <a:rPr kumimoji="0" lang="en-US" sz="2400" b="0" i="0" u="none" strike="noStrike" kern="1200" cap="none" spc="0" normalizeH="0" baseline="0" noProof="0" dirty="0" smtClean="0">
                 <a:ln>
                   <a:noFill/>
                 </a:ln>
@@ -3738,7 +3750,7 @@
                 <a:latin typeface="+mn-lt"/>
                 <a:ea typeface="+mn-ea"/>
                 <a:cs typeface="+mn-cs"/>
-                <a:hlinkClick r:id="rId2"/>
+                <a:hlinkClick r:id="rId3"/>
               </a:rPr>
               <a:t>ivan.antsipau@gmail.com</a:t>
             </a:r>
@@ -3761,7 +3773,7 @@
               <a:tabLst/>
               <a:defRPr/>
             </a:pPr>
-            <a:endParaRPr kumimoji="0" lang="ru-RU" sz="3200" b="0" i="0" u="none" strike="noStrike" kern="1200" cap="none" spc="0" normalizeH="0" baseline="0" noProof="0" dirty="0">
+            <a:endParaRPr kumimoji="0" lang="ru-RU" sz="2800" b="0" i="0" u="none" strike="noStrike" kern="1200" cap="none" spc="0" normalizeH="0" baseline="0" noProof="0" dirty="0">
               <a:ln>
                 <a:noFill/>
               </a:ln>
@@ -3810,7 +3822,7 @@
                     <a:lumMod val="85000"/>
                   </a:schemeClr>
                 </a:solidFill>
-                <a:hlinkClick r:id="rId4"/>
+                <a:hlinkClick r:id="rId5"/>
               </a:rPr>
               <a:t>https://github.com/Isantipov/HotScroll</a:t>
             </a:r>
@@ -3824,6 +3836,32 @@
           </a:p>
         </p:txBody>
       </p:sp>
+      <p:pic>
+        <p:nvPicPr>
+          <p:cNvPr id="4100" name="Picture 4" descr="http://conf.ostis.net/images/f/f3/Itransition_logo.png"/>
+          <p:cNvPicPr>
+            <a:picLocks noChangeAspect="1" noChangeArrowheads="1"/>
+          </p:cNvPicPr>
+          <p:nvPr/>
+        </p:nvPicPr>
+        <p:blipFill>
+          <a:blip r:embed="rId6" cstate="print"/>
+          <a:srcRect/>
+          <a:stretch>
+            <a:fillRect/>
+          </a:stretch>
+        </p:blipFill>
+        <p:spPr bwMode="auto">
+          <a:xfrm>
+            <a:off x="1403648" y="4653136"/>
+            <a:ext cx="2247900" cy="952500"/>
+          </a:xfrm>
+          <a:prstGeom prst="rect">
+            <a:avLst/>
+          </a:prstGeom>
+          <a:noFill/>
+        </p:spPr>
+      </p:pic>
     </p:spTree>
   </p:cSld>
   <p:clrMapOvr>
